--- a/powerpoint files/Session3.pptx
+++ b/powerpoint files/Session3.pptx
@@ -10051,17 +10051,7 @@
                 <a:latin typeface="Calibri"/>
                 <a:ea typeface="DejaVu Sans"/>
               </a:rPr>
-              <a:t>Michaelmas </a:t>
-            </a:r>
-            <a:r>
-              <a:rPr lang="en-US" sz="3200" b="0" strike="noStrike" spc="-1" dirty="0">
-                <a:solidFill>
-                  <a:srgbClr val="8B8B8B"/>
-                </a:solidFill>
-                <a:latin typeface="Calibri"/>
-                <a:ea typeface="DejaVu Sans"/>
-              </a:rPr>
-              <a:t>2022</a:t>
+              <a:t>Hilary 2023</a:t>
             </a:r>
             <a:endParaRPr lang="en-GB" sz="3200" b="0" strike="noStrike" spc="-1" dirty="0">
               <a:latin typeface="Arial"/>
